--- a/Are We Due for Another Crash.pptx
+++ b/Are We Due for Another Crash.pptx
@@ -15,13 +15,14 @@
     <p:sldId id="263" r:id="rId9"/>
     <p:sldId id="264" r:id="rId10"/>
     <p:sldId id="265" r:id="rId11"/>
-    <p:sldId id="266" r:id="rId12"/>
-    <p:sldId id="269" r:id="rId13"/>
-    <p:sldId id="267" r:id="rId14"/>
-    <p:sldId id="268" r:id="rId15"/>
-    <p:sldId id="270" r:id="rId16"/>
-    <p:sldId id="271" r:id="rId17"/>
-    <p:sldId id="272" r:id="rId18"/>
+    <p:sldId id="273" r:id="rId12"/>
+    <p:sldId id="266" r:id="rId13"/>
+    <p:sldId id="269" r:id="rId14"/>
+    <p:sldId id="267" r:id="rId15"/>
+    <p:sldId id="268" r:id="rId16"/>
+    <p:sldId id="270" r:id="rId17"/>
+    <p:sldId id="271" r:id="rId18"/>
+    <p:sldId id="272" r:id="rId19"/>
   </p:sldIdLst>
   <p:sldSz cx="9144000" cy="6858000" type="screen4x3"/>
   <p:notesSz cx="6858000" cy="9144000"/>
@@ -4686,6 +4687,13 @@
       <p:transition spd="slow"/>
     </mc:Fallback>
   </mc:AlternateContent>
+  <p:timing>
+    <p:tnLst>
+      <p:par>
+        <p:cTn id="1" dur="indefinite" restart="never" nodeType="tmRoot"/>
+      </p:par>
+    </p:tnLst>
+  </p:timing>
 </p:sld>
 </file>
 
@@ -4918,7 +4926,7 @@
       </p:grpSpPr>
       <p:sp>
         <p:nvSpPr>
-          <p:cNvPr id="8" name="Content Placeholder 7"/>
+          <p:cNvPr id="7" name="Content Placeholder 6"/>
           <p:cNvSpPr>
             <a:spLocks noGrp="1"/>
           </p:cNvSpPr>
@@ -4933,52 +4941,29 @@
           <a:p>
             <a:r>
               <a:rPr lang="en-US" dirty="0" smtClean="0"/>
-              <a:t>Augmented Dickey-Fuller Test for </a:t>
-            </a:r>
-            <a:r>
-              <a:rPr lang="en-US" dirty="0" err="1" smtClean="0"/>
-              <a:t>stationarity</a:t>
-            </a:r>
-            <a:r>
-              <a:rPr lang="en-US" dirty="0"/>
-              <a:t> </a:t>
-            </a:r>
-            <a:r>
-              <a:rPr lang="en-US" dirty="0" smtClean="0"/>
-              <a:t>(H</a:t>
-            </a:r>
-            <a:r>
-              <a:rPr lang="en-US" baseline="-25000" dirty="0" smtClean="0"/>
-              <a:t>0</a:t>
-            </a:r>
-            <a:r>
-              <a:rPr lang="en-US" dirty="0" smtClean="0"/>
-              <a:t>=non-stationary)</a:t>
-            </a:r>
-          </a:p>
-          <a:p>
-            <a:r>
-              <a:rPr lang="en-US" dirty="0" smtClean="0"/>
-              <a:t>Could not reject null for 3 of 4 series (only rejection was exp. Real stock yield)</a:t>
-            </a:r>
-          </a:p>
-          <a:p>
-            <a:r>
-              <a:rPr lang="en-US" dirty="0" smtClean="0"/>
-              <a:t>Remember: could not reject ≠ accept the null (low power for “sticky” stationary variables)</a:t>
-            </a:r>
-          </a:p>
-          <a:p>
-            <a:r>
-              <a:rPr lang="en-US" dirty="0" smtClean="0"/>
-              <a:t>Difference the variables just in case</a:t>
-            </a:r>
-          </a:p>
-        </p:txBody>
-      </p:sp>
-      <p:sp>
-        <p:nvSpPr>
-          <p:cNvPr id="7" name="Title 6"/>
+              <a:t>Bond rates &gt; Stock yields?</a:t>
+            </a:r>
+          </a:p>
+          <a:p>
+            <a:r>
+              <a:rPr lang="en-US" dirty="0" smtClean="0"/>
+              <a:t>80s – hyperinflation fears artificially raised bond rates and lowered stock yields</a:t>
+            </a:r>
+          </a:p>
+          <a:p>
+            <a:r>
+              <a:rPr lang="en-US" dirty="0" smtClean="0"/>
+              <a:t>90s – tech bubble lowered stock yields</a:t>
+            </a:r>
+          </a:p>
+          <a:p>
+            <a:endParaRPr lang="en-US" dirty="0"/>
+          </a:p>
+        </p:txBody>
+      </p:sp>
+      <p:sp>
+        <p:nvSpPr>
+          <p:cNvPr id="2" name="Title 1"/>
           <p:cNvSpPr>
             <a:spLocks noGrp="1"/>
           </p:cNvSpPr>
@@ -5004,13 +4989,20 @@
     </p:spTree>
     <p:extLst>
       <p:ext uri="{BB962C8B-B14F-4D97-AF65-F5344CB8AC3E}">
-        <p14:creationId xmlns:p14="http://schemas.microsoft.com/office/powerpoint/2010/main" val="958239541"/>
+        <p14:creationId xmlns:p14="http://schemas.microsoft.com/office/powerpoint/2010/main" val="2962805400"/>
       </p:ext>
     </p:extLst>
   </p:cSld>
   <p:clrMapOvr>
     <a:masterClrMapping/>
   </p:clrMapOvr>
+  <p:timing>
+    <p:tnLst>
+      <p:par>
+        <p:cTn id="1" dur="indefinite" restart="never" nodeType="tmRoot"/>
+      </p:par>
+    </p:tnLst>
+  </p:timing>
 </p:sld>
 </file>
 
@@ -5033,7 +5025,7 @@
       </p:grpSpPr>
       <p:sp>
         <p:nvSpPr>
-          <p:cNvPr id="2" name="Content Placeholder 1"/>
+          <p:cNvPr id="8" name="Content Placeholder 7"/>
           <p:cNvSpPr>
             <a:spLocks noGrp="1"/>
           </p:cNvSpPr>
@@ -5043,88 +5035,57 @@
         </p:nvSpPr>
         <p:spPr/>
         <p:txBody>
-          <a:bodyPr>
-            <a:normAutofit lnSpcReduction="10000"/>
-          </a:bodyPr>
+          <a:bodyPr/>
           <a:lstStyle/>
           <a:p>
             <a:r>
               <a:rPr lang="en-US" dirty="0" smtClean="0"/>
-              <a:t>Pros</a:t>
-            </a:r>
-            <a:endParaRPr lang="en-US" dirty="0"/>
-          </a:p>
-          <a:p>
-            <a:pPr lvl="1"/>
-            <a:r>
-              <a:rPr lang="en-US" dirty="0" smtClean="0"/>
-              <a:t>Taking </a:t>
+              <a:t>Augmented Dickey-Fuller Test for </a:t>
+            </a:r>
+            <a:r>
+              <a:rPr lang="en-US" dirty="0" err="1" smtClean="0"/>
+              <a:t>stationarity</a:t>
             </a:r>
             <a:r>
               <a:rPr lang="en-US" dirty="0"/>
-              <a:t>a difference usually gives a stationary time series</a:t>
-            </a:r>
-          </a:p>
-          <a:p>
-            <a:pPr lvl="1"/>
-            <a:r>
-              <a:rPr lang="en-US" dirty="0" smtClean="0"/>
-              <a:t>Taking </a:t>
-            </a:r>
-            <a:r>
-              <a:rPr lang="en-US" dirty="0"/>
-              <a:t>a difference usually gets rid of serial (auto) correlation </a:t>
-            </a:r>
-            <a:r>
-              <a:rPr lang="en-US" dirty="0" smtClean="0"/>
-              <a:t>issues</a:t>
-            </a:r>
-          </a:p>
-          <a:p>
-            <a:r>
-              <a:rPr lang="en-US" dirty="0" smtClean="0"/>
-              <a:t>Cons</a:t>
-            </a:r>
-            <a:endParaRPr lang="en-US" dirty="0"/>
-          </a:p>
-          <a:p>
-            <a:pPr lvl="1"/>
-            <a:r>
-              <a:rPr lang="en-US" dirty="0" smtClean="0"/>
-              <a:t>Difficult </a:t>
-            </a:r>
-            <a:r>
-              <a:rPr lang="en-US" dirty="0"/>
-              <a:t>to interpret ("A 1 unit change in the change of X is associated with a 1 unit change in the change of Y")</a:t>
-            </a:r>
-          </a:p>
-          <a:p>
-            <a:pPr lvl="1"/>
-            <a:r>
-              <a:rPr lang="en-US" dirty="0" smtClean="0"/>
-              <a:t>Makes </a:t>
-            </a:r>
-            <a:r>
-              <a:rPr lang="en-US" dirty="0"/>
-              <a:t>predictions difficult (inputs are in changes not in actual values)</a:t>
-            </a:r>
-          </a:p>
-          <a:p>
-            <a:pPr lvl="1"/>
-            <a:r>
-              <a:rPr lang="en-US" dirty="0" smtClean="0"/>
-              <a:t>Loses </a:t>
-            </a:r>
-            <a:r>
-              <a:rPr lang="en-US" dirty="0"/>
-              <a:t>one degree of freedom</a:t>
-            </a:r>
-          </a:p>
-        </p:txBody>
-      </p:sp>
-      <p:sp>
-        <p:nvSpPr>
-          <p:cNvPr id="3" name="Title 2"/>
+              <a:t> </a:t>
+            </a:r>
+            <a:r>
+              <a:rPr lang="en-US" dirty="0" smtClean="0"/>
+              <a:t>(H</a:t>
+            </a:r>
+            <a:r>
+              <a:rPr lang="en-US" baseline="-25000" dirty="0" smtClean="0"/>
+              <a:t>0</a:t>
+            </a:r>
+            <a:r>
+              <a:rPr lang="en-US" dirty="0" smtClean="0"/>
+              <a:t>=non-stationary)</a:t>
+            </a:r>
+          </a:p>
+          <a:p>
+            <a:r>
+              <a:rPr lang="en-US" dirty="0" smtClean="0"/>
+              <a:t>Could not reject null for 3 of 4 series (only rejection was exp. Real stock yield)</a:t>
+            </a:r>
+          </a:p>
+          <a:p>
+            <a:r>
+              <a:rPr lang="en-US" dirty="0" smtClean="0"/>
+              <a:t>Remember: could not reject ≠ accept the null (low power for “sticky” stationary variables)</a:t>
+            </a:r>
+          </a:p>
+          <a:p>
+            <a:r>
+              <a:rPr lang="en-US" dirty="0" smtClean="0"/>
+              <a:t>Difference the variables just in case</a:t>
+            </a:r>
+          </a:p>
+        </p:txBody>
+      </p:sp>
+      <p:sp>
+        <p:nvSpPr>
+          <p:cNvPr id="7" name="Title 6"/>
           <p:cNvSpPr>
             <a:spLocks noGrp="1"/>
           </p:cNvSpPr>
@@ -5141,7 +5102,7 @@
           <a:p>
             <a:r>
               <a:rPr lang="en-US" dirty="0" smtClean="0"/>
-              <a:t>Why not always take the difference?</a:t>
+              <a:t>Exploratory Data Analysis (cont.)</a:t>
             </a:r>
             <a:endParaRPr lang="en-US" dirty="0"/>
           </a:p>
@@ -5150,13 +5111,20 @@
     </p:spTree>
     <p:extLst>
       <p:ext uri="{BB962C8B-B14F-4D97-AF65-F5344CB8AC3E}">
-        <p14:creationId xmlns:p14="http://schemas.microsoft.com/office/powerpoint/2010/main" val="3186164734"/>
+        <p14:creationId xmlns:p14="http://schemas.microsoft.com/office/powerpoint/2010/main" val="958239541"/>
       </p:ext>
     </p:extLst>
   </p:cSld>
   <p:clrMapOvr>
     <a:masterClrMapping/>
   </p:clrMapOvr>
+  <p:timing>
+    <p:tnLst>
+      <p:par>
+        <p:cTn id="1" dur="indefinite" restart="never" nodeType="tmRoot"/>
+      </p:par>
+    </p:tnLst>
+  </p:timing>
 </p:sld>
 </file>
 
@@ -5189,146 +5157,83 @@
         </p:nvSpPr>
         <p:spPr/>
         <p:txBody>
-          <a:bodyPr/>
+          <a:bodyPr>
+            <a:normAutofit lnSpcReduction="10000"/>
+          </a:bodyPr>
           <a:lstStyle/>
           <a:p>
             <a:r>
-              <a:rPr lang="en-US" dirty="0" err="1" smtClean="0"/>
-              <a:t>Y</a:t>
-            </a:r>
-            <a:r>
-              <a:rPr lang="en-US" baseline="-25000" dirty="0" err="1" smtClean="0"/>
-              <a:t>t</a:t>
-            </a:r>
-            <a:r>
-              <a:rPr lang="en-US" dirty="0" smtClean="0"/>
-              <a:t> = </a:t>
-            </a:r>
-            <a:r>
-              <a:rPr lang="el-GR" dirty="0" smtClean="0"/>
-              <a:t>β</a:t>
-            </a:r>
-            <a:r>
-              <a:rPr lang="en-US" baseline="-25000" dirty="0" smtClean="0"/>
-              <a:t>1</a:t>
-            </a:r>
-            <a:r>
-              <a:rPr lang="en-US" dirty="0" smtClean="0"/>
-              <a:t> + </a:t>
-            </a:r>
-            <a:r>
-              <a:rPr lang="el-GR" dirty="0" smtClean="0"/>
-              <a:t>β</a:t>
-            </a:r>
-            <a:r>
-              <a:rPr lang="en-US" baseline="-25000" dirty="0" smtClean="0"/>
-              <a:t>2</a:t>
-            </a:r>
-            <a:r>
-              <a:rPr lang="en-US" dirty="0" smtClean="0"/>
-              <a:t>X</a:t>
-            </a:r>
-            <a:r>
-              <a:rPr lang="en-US" baseline="-25000" dirty="0" smtClean="0"/>
-              <a:t>2t</a:t>
-            </a:r>
-            <a:r>
-              <a:rPr lang="en-US" dirty="0" smtClean="0"/>
-              <a:t> + </a:t>
-            </a:r>
-            <a:r>
-              <a:rPr lang="el-GR" dirty="0" smtClean="0"/>
-              <a:t>β</a:t>
-            </a:r>
-            <a:r>
-              <a:rPr lang="en-US" baseline="-25000" dirty="0" smtClean="0"/>
-              <a:t>3</a:t>
-            </a:r>
-            <a:r>
-              <a:rPr lang="en-US" dirty="0" smtClean="0"/>
-              <a:t>X</a:t>
-            </a:r>
-            <a:r>
-              <a:rPr lang="en-US" baseline="-25000" dirty="0" smtClean="0"/>
-              <a:t>3t</a:t>
-            </a:r>
-            <a:r>
-              <a:rPr lang="en-US" dirty="0" smtClean="0"/>
-              <a:t> + </a:t>
-            </a:r>
-            <a:r>
-              <a:rPr lang="el-GR" dirty="0" smtClean="0"/>
-              <a:t>ε</a:t>
-            </a:r>
-            <a:r>
-              <a:rPr lang="en-US" baseline="-25000" dirty="0" smtClean="0"/>
-              <a:t>t</a:t>
-            </a:r>
-            <a:endParaRPr lang="en-US" dirty="0" smtClean="0"/>
-          </a:p>
-          <a:p>
-            <a:r>
-              <a:rPr lang="en-US" dirty="0" err="1" smtClean="0"/>
-              <a:t>Y</a:t>
-            </a:r>
-            <a:r>
-              <a:rPr lang="en-US" baseline="-25000" dirty="0" err="1" smtClean="0"/>
-              <a:t>t</a:t>
-            </a:r>
-            <a:r>
-              <a:rPr lang="en-US" dirty="0" smtClean="0"/>
-              <a:t> = current nominal (exp. Real) stock yield difference</a:t>
-            </a:r>
-          </a:p>
-          <a:p>
-            <a:r>
-              <a:rPr lang="en-US" dirty="0" smtClean="0"/>
-              <a:t>X</a:t>
-            </a:r>
-            <a:r>
-              <a:rPr lang="en-US" baseline="-25000" dirty="0" smtClean="0"/>
-              <a:t>2t</a:t>
-            </a:r>
-            <a:r>
-              <a:rPr lang="en-US" dirty="0" smtClean="0"/>
-              <a:t> = current nominal 3yr bond yield difference</a:t>
-            </a:r>
-          </a:p>
-          <a:p>
-            <a:r>
-              <a:rPr lang="en-US" dirty="0" smtClean="0"/>
-              <a:t>X</a:t>
-            </a:r>
-            <a:r>
-              <a:rPr lang="en-US" baseline="-25000" dirty="0" smtClean="0"/>
-              <a:t>3t</a:t>
-            </a:r>
-            <a:r>
-              <a:rPr lang="en-US" dirty="0" smtClean="0"/>
-              <a:t> = current exp. Real 3yr bond yield difference</a:t>
-            </a:r>
-          </a:p>
-          <a:p>
-            <a:r>
-              <a:rPr lang="en-US" dirty="0" smtClean="0"/>
-              <a:t>No distributed </a:t>
-            </a:r>
-            <a:r>
-              <a:rPr lang="en-US" dirty="0" smtClean="0"/>
-              <a:t>lags</a:t>
-            </a:r>
-          </a:p>
-          <a:p>
-            <a:r>
-              <a:rPr lang="en-US" dirty="0" smtClean="0"/>
-              <a:t>Only used one bond type to avoid multi-</a:t>
-            </a:r>
-            <a:r>
-              <a:rPr lang="en-US" smtClean="0"/>
-              <a:t>collinearity</a:t>
+              <a:rPr lang="en-US" dirty="0" smtClean="0"/>
+              <a:t>Pros</a:t>
             </a:r>
             <a:endParaRPr lang="en-US" dirty="0"/>
           </a:p>
+          <a:p>
+            <a:pPr lvl="1"/>
+            <a:r>
+              <a:rPr lang="en-US" dirty="0" smtClean="0"/>
+              <a:t>Taking </a:t>
+            </a:r>
+            <a:r>
+              <a:rPr lang="en-US" dirty="0"/>
+              <a:t>a difference usually gives a stationary time series</a:t>
+            </a:r>
+          </a:p>
+          <a:p>
+            <a:pPr lvl="1"/>
+            <a:r>
+              <a:rPr lang="en-US" dirty="0" smtClean="0"/>
+              <a:t>Taking </a:t>
+            </a:r>
+            <a:r>
+              <a:rPr lang="en-US" dirty="0"/>
+              <a:t>a difference usually gets rid of serial (auto) correlation </a:t>
+            </a:r>
+            <a:r>
+              <a:rPr lang="en-US" dirty="0" smtClean="0"/>
+              <a:t>issues</a:t>
+            </a:r>
+          </a:p>
+          <a:p>
+            <a:r>
+              <a:rPr lang="en-US" dirty="0" smtClean="0"/>
+              <a:t>Cons</a:t>
+            </a:r>
+            <a:endParaRPr lang="en-US" dirty="0"/>
+          </a:p>
+          <a:p>
+            <a:pPr lvl="1"/>
+            <a:r>
+              <a:rPr lang="en-US" dirty="0" smtClean="0"/>
+              <a:t>Difficult </a:t>
+            </a:r>
+            <a:r>
+              <a:rPr lang="en-US" dirty="0"/>
+              <a:t>to interpret ("A 1 unit change in the change of X is associated with a 1 unit change in the change of Y")</a:t>
+            </a:r>
+          </a:p>
+          <a:p>
+            <a:pPr lvl="1"/>
+            <a:r>
+              <a:rPr lang="en-US" dirty="0" smtClean="0"/>
+              <a:t>Makes </a:t>
+            </a:r>
+            <a:r>
+              <a:rPr lang="en-US" dirty="0"/>
+              <a:t>predictions difficult (inputs are in changes not in actual values)</a:t>
+            </a:r>
+          </a:p>
+          <a:p>
+            <a:pPr lvl="1"/>
+            <a:r>
+              <a:rPr lang="en-US" dirty="0" smtClean="0"/>
+              <a:t>Loses </a:t>
+            </a:r>
+            <a:r>
+              <a:rPr lang="en-US" dirty="0"/>
+              <a:t>one degree of freedom</a:t>
+            </a:r>
+          </a:p>
         </p:txBody>
       </p:sp>
       <p:sp>
@@ -5343,12 +5248,14 @@
         </p:nvSpPr>
         <p:spPr/>
         <p:txBody>
-          <a:bodyPr/>
+          <a:bodyPr>
+            <a:normAutofit fontScale="90000"/>
+          </a:bodyPr>
           <a:lstStyle/>
           <a:p>
             <a:r>
               <a:rPr lang="en-US" dirty="0" smtClean="0"/>
-              <a:t>Model Specification</a:t>
+              <a:t>Why not always take the difference?</a:t>
             </a:r>
             <a:endParaRPr lang="en-US" dirty="0"/>
           </a:p>
@@ -5357,13 +5264,20 @@
     </p:spTree>
     <p:extLst>
       <p:ext uri="{BB962C8B-B14F-4D97-AF65-F5344CB8AC3E}">
-        <p14:creationId xmlns:p14="http://schemas.microsoft.com/office/powerpoint/2010/main" val="572400740"/>
+        <p14:creationId xmlns:p14="http://schemas.microsoft.com/office/powerpoint/2010/main" val="3186164734"/>
       </p:ext>
     </p:extLst>
   </p:cSld>
   <p:clrMapOvr>
     <a:masterClrMapping/>
   </p:clrMapOvr>
+  <p:timing>
+    <p:tnLst>
+      <p:par>
+        <p:cTn id="1" dur="indefinite" restart="never" nodeType="tmRoot"/>
+      </p:par>
+    </p:tnLst>
+  </p:timing>
 </p:sld>
 </file>
 
@@ -5400,23 +5314,136 @@
           <a:lstStyle/>
           <a:p>
             <a:r>
-              <a:rPr lang="en-US" dirty="0" smtClean="0"/>
-              <a:t>Overall positive relationship between changes in interest rates and changes in stock yields as expected</a:t>
-            </a:r>
-          </a:p>
-          <a:p>
-            <a:r>
-              <a:rPr lang="en-US" dirty="0" smtClean="0"/>
-              <a:t>Odd case in first model likely due to omitted variable bias</a:t>
-            </a:r>
-          </a:p>
-          <a:p>
-            <a:r>
-              <a:rPr lang="en-US" dirty="0" smtClean="0"/>
-              <a:t>Differencing variables also removed serial correlation</a:t>
-            </a:r>
-          </a:p>
-          <a:p>
+              <a:rPr lang="en-US" dirty="0" err="1" smtClean="0"/>
+              <a:t>Y</a:t>
+            </a:r>
+            <a:r>
+              <a:rPr lang="en-US" baseline="-25000" dirty="0" err="1" smtClean="0"/>
+              <a:t>t</a:t>
+            </a:r>
+            <a:r>
+              <a:rPr lang="en-US" dirty="0" smtClean="0"/>
+              <a:t> = </a:t>
+            </a:r>
+            <a:r>
+              <a:rPr lang="el-GR" dirty="0" smtClean="0"/>
+              <a:t>β</a:t>
+            </a:r>
+            <a:r>
+              <a:rPr lang="en-US" baseline="-25000" dirty="0" smtClean="0"/>
+              <a:t>1</a:t>
+            </a:r>
+            <a:r>
+              <a:rPr lang="en-US" dirty="0" smtClean="0"/>
+              <a:t> + </a:t>
+            </a:r>
+            <a:r>
+              <a:rPr lang="el-GR" dirty="0" smtClean="0"/>
+              <a:t>β</a:t>
+            </a:r>
+            <a:r>
+              <a:rPr lang="en-US" baseline="-25000" dirty="0" smtClean="0"/>
+              <a:t>2</a:t>
+            </a:r>
+            <a:r>
+              <a:rPr lang="en-US" dirty="0" smtClean="0"/>
+              <a:t>X</a:t>
+            </a:r>
+            <a:r>
+              <a:rPr lang="en-US" baseline="-25000" dirty="0" smtClean="0"/>
+              <a:t>2t</a:t>
+            </a:r>
+            <a:r>
+              <a:rPr lang="en-US" dirty="0" smtClean="0"/>
+              <a:t> + </a:t>
+            </a:r>
+            <a:r>
+              <a:rPr lang="el-GR" dirty="0" smtClean="0"/>
+              <a:t>β</a:t>
+            </a:r>
+            <a:r>
+              <a:rPr lang="en-US" baseline="-25000" dirty="0" smtClean="0"/>
+              <a:t>3</a:t>
+            </a:r>
+            <a:r>
+              <a:rPr lang="en-US" dirty="0" smtClean="0"/>
+              <a:t>X</a:t>
+            </a:r>
+            <a:r>
+              <a:rPr lang="en-US" baseline="-25000" dirty="0" smtClean="0"/>
+              <a:t>3t</a:t>
+            </a:r>
+            <a:r>
+              <a:rPr lang="en-US" dirty="0" smtClean="0"/>
+              <a:t> + </a:t>
+            </a:r>
+            <a:r>
+              <a:rPr lang="el-GR" dirty="0" smtClean="0"/>
+              <a:t>ε</a:t>
+            </a:r>
+            <a:r>
+              <a:rPr lang="en-US" baseline="-25000" dirty="0" smtClean="0"/>
+              <a:t>t</a:t>
+            </a:r>
+            <a:endParaRPr lang="en-US" dirty="0" smtClean="0"/>
+          </a:p>
+          <a:p>
+            <a:r>
+              <a:rPr lang="en-US" dirty="0" err="1" smtClean="0"/>
+              <a:t>Y</a:t>
+            </a:r>
+            <a:r>
+              <a:rPr lang="en-US" baseline="-25000" dirty="0" err="1" smtClean="0"/>
+              <a:t>t</a:t>
+            </a:r>
+            <a:r>
+              <a:rPr lang="en-US" dirty="0" smtClean="0"/>
+              <a:t> = current nominal (exp. Real) stock yield difference</a:t>
+            </a:r>
+          </a:p>
+          <a:p>
+            <a:r>
+              <a:rPr lang="en-US" dirty="0" smtClean="0"/>
+              <a:t>X</a:t>
+            </a:r>
+            <a:r>
+              <a:rPr lang="en-US" baseline="-25000" dirty="0" smtClean="0"/>
+              <a:t>2t</a:t>
+            </a:r>
+            <a:r>
+              <a:rPr lang="en-US" dirty="0" smtClean="0"/>
+              <a:t> = current nominal 3yr bond yield difference</a:t>
+            </a:r>
+          </a:p>
+          <a:p>
+            <a:r>
+              <a:rPr lang="en-US" dirty="0" smtClean="0"/>
+              <a:t>X</a:t>
+            </a:r>
+            <a:r>
+              <a:rPr lang="en-US" baseline="-25000" dirty="0" smtClean="0"/>
+              <a:t>3t</a:t>
+            </a:r>
+            <a:r>
+              <a:rPr lang="en-US" dirty="0" smtClean="0"/>
+              <a:t> = current exp. Real 3yr bond yield difference</a:t>
+            </a:r>
+          </a:p>
+          <a:p>
+            <a:r>
+              <a:rPr lang="en-US" dirty="0" smtClean="0"/>
+              <a:t>No distributed lags</a:t>
+            </a:r>
+          </a:p>
+          <a:p>
+            <a:r>
+              <a:rPr lang="en-US" dirty="0" smtClean="0"/>
+              <a:t>Only used one bond type to avoid multi-</a:t>
+            </a:r>
+            <a:r>
+              <a:rPr lang="en-US" smtClean="0"/>
+              <a:t>collinearity</a:t>
+            </a:r>
             <a:endParaRPr lang="en-US" dirty="0"/>
           </a:p>
         </p:txBody>
@@ -5438,7 +5465,7 @@
           <a:p>
             <a:r>
               <a:rPr lang="en-US" dirty="0" smtClean="0"/>
-              <a:t>Results</a:t>
+              <a:t>Model Specification</a:t>
             </a:r>
             <a:endParaRPr lang="en-US" dirty="0"/>
           </a:p>
@@ -5447,7 +5474,7 @@
     </p:spTree>
     <p:extLst>
       <p:ext uri="{BB962C8B-B14F-4D97-AF65-F5344CB8AC3E}">
-        <p14:creationId xmlns:p14="http://schemas.microsoft.com/office/powerpoint/2010/main" val="4052902284"/>
+        <p14:creationId xmlns:p14="http://schemas.microsoft.com/office/powerpoint/2010/main" val="572400740"/>
       </p:ext>
     </p:extLst>
   </p:cSld>
@@ -5491,20 +5518,22 @@
           <a:p>
             <a:r>
               <a:rPr lang="en-US" dirty="0" smtClean="0"/>
-              <a:t>Fear of market “correction” is reasonable due to potential interest rate hikes</a:t>
-            </a:r>
-          </a:p>
-          <a:p>
-            <a:r>
-              <a:rPr lang="en-US" dirty="0" smtClean="0"/>
-              <a:t>Since earnings don’t adjust quickly, prices of stocks must fall to raise yield</a:t>
-            </a:r>
-          </a:p>
-          <a:p>
-            <a:r>
-              <a:rPr lang="en-US" dirty="0" smtClean="0"/>
-              <a:t>Also possible for prices to grow very slowly in order for earnings to catch up</a:t>
-            </a:r>
+              <a:t>Overall positive relationship between changes in interest rates and changes in stock yields as expected</a:t>
+            </a:r>
+          </a:p>
+          <a:p>
+            <a:r>
+              <a:rPr lang="en-US" dirty="0" smtClean="0"/>
+              <a:t>Odd case in first model likely due to omitted variable bias</a:t>
+            </a:r>
+          </a:p>
+          <a:p>
+            <a:r>
+              <a:rPr lang="en-US" dirty="0" smtClean="0"/>
+              <a:t>Differencing variables also removed serial correlation</a:t>
+            </a:r>
+          </a:p>
+          <a:p>
             <a:endParaRPr lang="en-US" dirty="0"/>
           </a:p>
         </p:txBody>
@@ -5526,7 +5555,7 @@
           <a:p>
             <a:r>
               <a:rPr lang="en-US" dirty="0" smtClean="0"/>
-              <a:t>Concluding Thoughts</a:t>
+              <a:t>Results</a:t>
             </a:r>
             <a:endParaRPr lang="en-US" dirty="0"/>
           </a:p>
@@ -5535,7 +5564,7 @@
     </p:spTree>
     <p:extLst>
       <p:ext uri="{BB962C8B-B14F-4D97-AF65-F5344CB8AC3E}">
-        <p14:creationId xmlns:p14="http://schemas.microsoft.com/office/powerpoint/2010/main" val="935086706"/>
+        <p14:creationId xmlns:p14="http://schemas.microsoft.com/office/powerpoint/2010/main" val="4052902284"/>
       </p:ext>
     </p:extLst>
   </p:cSld>
@@ -5579,6 +5608,94 @@
           <a:p>
             <a:r>
               <a:rPr lang="en-US" dirty="0" smtClean="0"/>
+              <a:t>Fear of market “correction” is reasonable due to potential interest rate hikes</a:t>
+            </a:r>
+          </a:p>
+          <a:p>
+            <a:r>
+              <a:rPr lang="en-US" dirty="0" smtClean="0"/>
+              <a:t>Since earnings don’t adjust quickly, prices of stocks must fall to raise yield</a:t>
+            </a:r>
+          </a:p>
+          <a:p>
+            <a:r>
+              <a:rPr lang="en-US" dirty="0" smtClean="0"/>
+              <a:t>Also possible for prices to grow very slowly in order for earnings to catch up</a:t>
+            </a:r>
+            <a:endParaRPr lang="en-US" dirty="0"/>
+          </a:p>
+        </p:txBody>
+      </p:sp>
+      <p:sp>
+        <p:nvSpPr>
+          <p:cNvPr id="3" name="Title 2"/>
+          <p:cNvSpPr>
+            <a:spLocks noGrp="1"/>
+          </p:cNvSpPr>
+          <p:nvPr>
+            <p:ph type="title"/>
+          </p:nvPr>
+        </p:nvSpPr>
+        <p:spPr/>
+        <p:txBody>
+          <a:bodyPr/>
+          <a:lstStyle/>
+          <a:p>
+            <a:r>
+              <a:rPr lang="en-US" dirty="0" smtClean="0"/>
+              <a:t>Concluding Thoughts</a:t>
+            </a:r>
+            <a:endParaRPr lang="en-US" dirty="0"/>
+          </a:p>
+        </p:txBody>
+      </p:sp>
+    </p:spTree>
+    <p:extLst>
+      <p:ext uri="{BB962C8B-B14F-4D97-AF65-F5344CB8AC3E}">
+        <p14:creationId xmlns:p14="http://schemas.microsoft.com/office/powerpoint/2010/main" val="935086706"/>
+      </p:ext>
+    </p:extLst>
+  </p:cSld>
+  <p:clrMapOvr>
+    <a:masterClrMapping/>
+  </p:clrMapOvr>
+</p:sld>
+</file>
+
+<file path=ppt/slides/slide17.xml><?xml version="1.0" encoding="utf-8"?>
+<p:sld xmlns:a="http://schemas.openxmlformats.org/drawingml/2006/main" xmlns:r="http://schemas.openxmlformats.org/officeDocument/2006/relationships" xmlns:p="http://schemas.openxmlformats.org/presentationml/2006/main">
+  <p:cSld>
+    <p:spTree>
+      <p:nvGrpSpPr>
+        <p:cNvPr id="1" name=""/>
+        <p:cNvGrpSpPr/>
+        <p:nvPr/>
+      </p:nvGrpSpPr>
+      <p:grpSpPr>
+        <a:xfrm>
+          <a:off x="0" y="0"/>
+          <a:ext cx="0" cy="0"/>
+          <a:chOff x="0" y="0"/>
+          <a:chExt cx="0" cy="0"/>
+        </a:xfrm>
+      </p:grpSpPr>
+      <p:sp>
+        <p:nvSpPr>
+          <p:cNvPr id="2" name="Content Placeholder 1"/>
+          <p:cNvSpPr>
+            <a:spLocks noGrp="1"/>
+          </p:cNvSpPr>
+          <p:nvPr>
+            <p:ph idx="1"/>
+          </p:nvPr>
+        </p:nvSpPr>
+        <p:spPr/>
+        <p:txBody>
+          <a:bodyPr/>
+          <a:lstStyle/>
+          <a:p>
+            <a:r>
+              <a:rPr lang="en-US" dirty="0" smtClean="0"/>
               <a:t>US </a:t>
             </a:r>
             <a:r>
@@ -5652,7 +5769,7 @@
 </p:sld>
 </file>
 
-<file path=ppt/slides/slide17.xml><?xml version="1.0" encoding="utf-8"?>
+<file path=ppt/slides/slide18.xml><?xml version="1.0" encoding="utf-8"?>
 <p:sld xmlns:a="http://schemas.openxmlformats.org/drawingml/2006/main" xmlns:r="http://schemas.openxmlformats.org/officeDocument/2006/relationships" xmlns:p="http://schemas.openxmlformats.org/presentationml/2006/main">
   <p:cSld>
     <p:spTree>
@@ -5937,6 +6054,13 @@
   <p:clrMapOvr>
     <a:masterClrMapping/>
   </p:clrMapOvr>
+  <p:timing>
+    <p:tnLst>
+      <p:par>
+        <p:cTn id="1" dur="indefinite" restart="never" nodeType="tmRoot"/>
+      </p:par>
+    </p:tnLst>
+  </p:timing>
 </p:sld>
 </file>
 
@@ -6019,6 +6143,13 @@
   <p:clrMapOvr>
     <a:masterClrMapping/>
   </p:clrMapOvr>
+  <p:timing>
+    <p:tnLst>
+      <p:par>
+        <p:cTn id="1" dur="indefinite" restart="never" nodeType="tmRoot"/>
+      </p:par>
+    </p:tnLst>
+  </p:timing>
 </p:sld>
 </file>
 
@@ -6115,6 +6246,13 @@
   <p:clrMapOvr>
     <a:masterClrMapping/>
   </p:clrMapOvr>
+  <p:timing>
+    <p:tnLst>
+      <p:par>
+        <p:cTn id="1" dur="indefinite" restart="never" nodeType="tmRoot"/>
+      </p:par>
+    </p:tnLst>
+  </p:timing>
 </p:sld>
 </file>
 
@@ -6159,7 +6297,7 @@
         </p:blipFill>
         <p:spPr>
           <a:xfrm>
-            <a:off x="457200" y="1295400"/>
+            <a:off x="76200" y="1295400"/>
             <a:ext cx="5562600" cy="4419600"/>
           </a:xfrm>
         </p:spPr>
@@ -6176,7 +6314,7 @@
         </p:nvSpPr>
         <p:spPr>
           <a:xfrm>
-            <a:off x="6019800" y="1295400"/>
+            <a:off x="5638800" y="1295400"/>
             <a:ext cx="4038600" cy="4525963"/>
           </a:xfrm>
         </p:spPr>
@@ -6502,6 +6640,13 @@
   <p:clrMapOvr>
     <a:masterClrMapping/>
   </p:clrMapOvr>
+  <p:timing>
+    <p:tnLst>
+      <p:par>
+        <p:cTn id="1" dur="indefinite" restart="never" nodeType="tmRoot"/>
+      </p:par>
+    </p:tnLst>
+  </p:timing>
 </p:sld>
 </file>
 
@@ -6584,6 +6729,13 @@
   <p:clrMapOvr>
     <a:masterClrMapping/>
   </p:clrMapOvr>
+  <p:timing>
+    <p:tnLst>
+      <p:par>
+        <p:cTn id="1" dur="indefinite" restart="never" nodeType="tmRoot"/>
+      </p:par>
+    </p:tnLst>
+  </p:timing>
 </p:sld>
 </file>
 
